--- a/apresentação.pptx
+++ b/apresentação.pptx
@@ -3583,7 +3583,19 @@
               <a:rPr lang="pt-BR" sz="1600" b="0" i="0" u="none" strike="noStrike" baseline="0" dirty="0">
                 <a:latin typeface="Verdana" panose="020B0604030504040204" pitchFamily="34" charset="0"/>
               </a:rPr>
-              <a:t>				25/03/2025</a:t>
+              <a:t>				</a:t>
+            </a:r>
+            <a:r>
+              <a:rPr lang="pt-BR" sz="1600" dirty="0">
+                <a:latin typeface="Verdana" panose="020B0604030504040204" pitchFamily="34" charset="0"/>
+              </a:rPr>
+              <a:t>01</a:t>
+            </a:r>
+            <a:r>
+              <a:rPr lang="pt-BR" sz="1600" b="0" i="0" u="none" strike="noStrike" baseline="0" dirty="0">
+                <a:latin typeface="Verdana" panose="020B0604030504040204" pitchFamily="34" charset="0"/>
+              </a:rPr>
+              <a:t>/07/2025</a:t>
             </a:r>
             <a:endParaRPr lang="pt-BR" sz="1600" dirty="0">
               <a:latin typeface="Verdana" panose="020B0604030504040204" pitchFamily="34" charset="0"/>
@@ -10657,20 +10669,20 @@
 </file>
 
 <file path=customXml/item2.xml><?xml version="1.0" encoding="utf-8"?>
-<p:properties xmlns:p="http://schemas.microsoft.com/office/2006/metadata/properties" xmlns:xsi="http://www.w3.org/2001/XMLSchema-instance" xmlns:pc="http://schemas.microsoft.com/office/infopath/2007/PartnerControls">
-  <documentManagement>
-    <_activity xmlns="21e6e281-a8ba-4a32-80e2-62d7ef2cb7b1" xsi:nil="true"/>
-  </documentManagement>
-</p:properties>
-</file>
-
-<file path=customXml/item3.xml><?xml version="1.0" encoding="utf-8"?>
 <?mso-contentType ?>
 <FormTemplates xmlns="http://schemas.microsoft.com/sharepoint/v3/contenttype/forms">
   <Display>DocumentLibraryForm</Display>
   <Edit>DocumentLibraryForm</Edit>
   <New>DocumentLibraryForm</New>
 </FormTemplates>
+</file>
+
+<file path=customXml/item3.xml><?xml version="1.0" encoding="utf-8"?>
+<p:properties xmlns:p="http://schemas.microsoft.com/office/2006/metadata/properties" xmlns:xsi="http://www.w3.org/2001/XMLSchema-instance" xmlns:pc="http://schemas.microsoft.com/office/infopath/2007/PartnerControls">
+  <documentManagement>
+    <_activity xmlns="21e6e281-a8ba-4a32-80e2-62d7ef2cb7b1" xsi:nil="true"/>
+  </documentManagement>
+</p:properties>
 </file>
 
 <file path=customXml/itemProps1.xml><?xml version="1.0" encoding="utf-8"?>
@@ -10692,6 +10704,14 @@
 </file>
 
 <file path=customXml/itemProps2.xml><?xml version="1.0" encoding="utf-8"?>
+<ds:datastoreItem xmlns:ds="http://schemas.openxmlformats.org/officeDocument/2006/customXml" ds:itemID="{860DCE2B-9325-49A2-9506-86514A7CF48F}">
+  <ds:schemaRefs>
+    <ds:schemaRef ds:uri="http://schemas.microsoft.com/sharepoint/v3/contenttype/forms"/>
+  </ds:schemaRefs>
+</ds:datastoreItem>
+</file>
+
+<file path=customXml/itemProps3.xml><?xml version="1.0" encoding="utf-8"?>
 <ds:datastoreItem xmlns:ds="http://schemas.openxmlformats.org/officeDocument/2006/customXml" ds:itemID="{7565779E-5F97-4D6F-89A6-1E39C436789C}">
   <ds:schemaRefs>
     <ds:schemaRef ds:uri="21e6e281-a8ba-4a32-80e2-62d7ef2cb7b1"/>
@@ -10705,12 +10725,4 @@
     <ds:schemaRef ds:uri="http://purl.org/dc/elements/1.1/"/>
   </ds:schemaRefs>
 </ds:datastoreItem>
-</file>
-
-<file path=customXml/itemProps3.xml><?xml version="1.0" encoding="utf-8"?>
-<ds:datastoreItem xmlns:ds="http://schemas.openxmlformats.org/officeDocument/2006/customXml" ds:itemID="{860DCE2B-9325-49A2-9506-86514A7CF48F}">
-  <ds:schemaRefs>
-    <ds:schemaRef ds:uri="http://schemas.microsoft.com/sharepoint/v3/contenttype/forms"/>
-  </ds:schemaRefs>
-</ds:datastoreItem>
 </file>